--- a/ppt 16-9/0699.圣洁仁爱.pptx
+++ b/ppt 16-9/0699.圣洁仁爱.pptx
@@ -129,7 +129,7 @@
           <p:cNvPr id="2" name="标题 1">
             <a:extLst>
               <a:ext uri="{FF2B5EF4-FFF2-40B4-BE49-F238E27FC236}">
-                <a16:creationId xmlns:a16="http://schemas.microsoft.com/office/drawing/2014/main" id="{E75FB899-207A-694A-9EB4-C7CEA26EE148}"/>
+                <a16:creationId xmlns:a16="http://schemas.microsoft.com/office/drawing/2014/main" id="{8A17B908-21D6-EC25-4D8B-2934DE3E6EC9}"/>
               </a:ext>
             </a:extLst>
           </p:cNvPr>
@@ -166,7 +166,7 @@
           <p:cNvPr id="3" name="副标题 2">
             <a:extLst>
               <a:ext uri="{FF2B5EF4-FFF2-40B4-BE49-F238E27FC236}">
-                <a16:creationId xmlns:a16="http://schemas.microsoft.com/office/drawing/2014/main" id="{BDAB5779-E38D-0748-CF52-3117698F7F8A}"/>
+                <a16:creationId xmlns:a16="http://schemas.microsoft.com/office/drawing/2014/main" id="{A7C43F5D-138B-2DB8-46C2-10F6DCA98CD7}"/>
               </a:ext>
             </a:extLst>
           </p:cNvPr>
@@ -236,7 +236,7 @@
           <p:cNvPr id="4" name="日期占位符 3">
             <a:extLst>
               <a:ext uri="{FF2B5EF4-FFF2-40B4-BE49-F238E27FC236}">
-                <a16:creationId xmlns:a16="http://schemas.microsoft.com/office/drawing/2014/main" id="{1AAB80FC-1ED9-527B-9549-64ABED916ED1}"/>
+                <a16:creationId xmlns:a16="http://schemas.microsoft.com/office/drawing/2014/main" id="{797375C8-B042-6EF0-B910-1AF548C54BD8}"/>
               </a:ext>
             </a:extLst>
           </p:cNvPr>
@@ -252,7 +252,7 @@
           <a:bodyPr/>
           <a:lstStyle/>
           <a:p>
-            <a:fld id="{F9246B1A-C81F-4591-8497-05D55479B746}" type="datetimeFigureOut">
+            <a:fld id="{C0349B25-5614-4CA7-B9AE-E957D0983656}" type="datetimeFigureOut">
               <a:rPr lang="zh-CN" altLang="en-US" smtClean="0"/>
               <a:t>2024/3/10</a:t>
             </a:fld>
@@ -265,7 +265,7 @@
           <p:cNvPr id="5" name="页脚占位符 4">
             <a:extLst>
               <a:ext uri="{FF2B5EF4-FFF2-40B4-BE49-F238E27FC236}">
-                <a16:creationId xmlns:a16="http://schemas.microsoft.com/office/drawing/2014/main" id="{BF581B71-A97E-B298-A699-6E1771B0C9AC}"/>
+                <a16:creationId xmlns:a16="http://schemas.microsoft.com/office/drawing/2014/main" id="{B130DCFC-55CB-C276-913B-2718D0DAD606}"/>
               </a:ext>
             </a:extLst>
           </p:cNvPr>
@@ -290,7 +290,7 @@
           <p:cNvPr id="6" name="灯片编号占位符 5">
             <a:extLst>
               <a:ext uri="{FF2B5EF4-FFF2-40B4-BE49-F238E27FC236}">
-                <a16:creationId xmlns:a16="http://schemas.microsoft.com/office/drawing/2014/main" id="{F70F3720-859B-A924-C482-BF39A4F8353A}"/>
+                <a16:creationId xmlns:a16="http://schemas.microsoft.com/office/drawing/2014/main" id="{966B1137-8E15-0AB3-345A-72C2B3EC0635}"/>
               </a:ext>
             </a:extLst>
           </p:cNvPr>
@@ -306,7 +306,7 @@
           <a:bodyPr/>
           <a:lstStyle/>
           <a:p>
-            <a:fld id="{B6C01E48-3352-4934-A978-265B64F311F3}" type="slidenum">
+            <a:fld id="{1DC4A67B-8EE8-4333-A790-BE1009852FBA}" type="slidenum">
               <a:rPr lang="zh-CN" altLang="en-US" smtClean="0"/>
               <a:t>‹#›</a:t>
             </a:fld>
@@ -317,7 +317,7 @@
     </p:spTree>
     <p:extLst>
       <p:ext uri="{BB962C8B-B14F-4D97-AF65-F5344CB8AC3E}">
-        <p14:creationId xmlns:p14="http://schemas.microsoft.com/office/powerpoint/2010/main" val="554369694"/>
+        <p14:creationId xmlns:p14="http://schemas.microsoft.com/office/powerpoint/2010/main" val="3530586498"/>
       </p:ext>
     </p:extLst>
   </p:cSld>
@@ -349,7 +349,7 @@
           <p:cNvPr id="2" name="标题 1">
             <a:extLst>
               <a:ext uri="{FF2B5EF4-FFF2-40B4-BE49-F238E27FC236}">
-                <a16:creationId xmlns:a16="http://schemas.microsoft.com/office/drawing/2014/main" id="{1AB345D5-0C94-5143-4767-C234EABDB892}"/>
+                <a16:creationId xmlns:a16="http://schemas.microsoft.com/office/drawing/2014/main" id="{FB318CBC-865B-E214-ECA5-CFB0B8784F30}"/>
               </a:ext>
             </a:extLst>
           </p:cNvPr>
@@ -377,7 +377,7 @@
           <p:cNvPr id="3" name="竖排文字占位符 2">
             <a:extLst>
               <a:ext uri="{FF2B5EF4-FFF2-40B4-BE49-F238E27FC236}">
-                <a16:creationId xmlns:a16="http://schemas.microsoft.com/office/drawing/2014/main" id="{39C8179E-2620-583D-144F-D4BEB56FF0DD}"/>
+                <a16:creationId xmlns:a16="http://schemas.microsoft.com/office/drawing/2014/main" id="{28B54BDF-068E-AB61-1A25-D29338375E9C}"/>
               </a:ext>
             </a:extLst>
           </p:cNvPr>
@@ -434,7 +434,7 @@
           <p:cNvPr id="4" name="日期占位符 3">
             <a:extLst>
               <a:ext uri="{FF2B5EF4-FFF2-40B4-BE49-F238E27FC236}">
-                <a16:creationId xmlns:a16="http://schemas.microsoft.com/office/drawing/2014/main" id="{C1503F16-2D8B-0B9F-8760-AF9AF3A3E261}"/>
+                <a16:creationId xmlns:a16="http://schemas.microsoft.com/office/drawing/2014/main" id="{D8D4A7CE-916F-7002-0089-AA69085BB701}"/>
               </a:ext>
             </a:extLst>
           </p:cNvPr>
@@ -450,7 +450,7 @@
           <a:bodyPr/>
           <a:lstStyle/>
           <a:p>
-            <a:fld id="{F9246B1A-C81F-4591-8497-05D55479B746}" type="datetimeFigureOut">
+            <a:fld id="{C0349B25-5614-4CA7-B9AE-E957D0983656}" type="datetimeFigureOut">
               <a:rPr lang="zh-CN" altLang="en-US" smtClean="0"/>
               <a:t>2024/3/10</a:t>
             </a:fld>
@@ -463,7 +463,7 @@
           <p:cNvPr id="5" name="页脚占位符 4">
             <a:extLst>
               <a:ext uri="{FF2B5EF4-FFF2-40B4-BE49-F238E27FC236}">
-                <a16:creationId xmlns:a16="http://schemas.microsoft.com/office/drawing/2014/main" id="{848440BA-4DAD-8147-5E86-F6F7748EF9EB}"/>
+                <a16:creationId xmlns:a16="http://schemas.microsoft.com/office/drawing/2014/main" id="{4ACE2D91-11D9-80FA-1377-44FB9A11975B}"/>
               </a:ext>
             </a:extLst>
           </p:cNvPr>
@@ -488,7 +488,7 @@
           <p:cNvPr id="6" name="灯片编号占位符 5">
             <a:extLst>
               <a:ext uri="{FF2B5EF4-FFF2-40B4-BE49-F238E27FC236}">
-                <a16:creationId xmlns:a16="http://schemas.microsoft.com/office/drawing/2014/main" id="{E3CCD6C7-8A95-5385-67ED-DE658E0575BC}"/>
+                <a16:creationId xmlns:a16="http://schemas.microsoft.com/office/drawing/2014/main" id="{55508A79-80BA-AF92-DF80-2978593684DE}"/>
               </a:ext>
             </a:extLst>
           </p:cNvPr>
@@ -504,7 +504,7 @@
           <a:bodyPr/>
           <a:lstStyle/>
           <a:p>
-            <a:fld id="{B6C01E48-3352-4934-A978-265B64F311F3}" type="slidenum">
+            <a:fld id="{1DC4A67B-8EE8-4333-A790-BE1009852FBA}" type="slidenum">
               <a:rPr lang="zh-CN" altLang="en-US" smtClean="0"/>
               <a:t>‹#›</a:t>
             </a:fld>
@@ -515,7 +515,7 @@
     </p:spTree>
     <p:extLst>
       <p:ext uri="{BB962C8B-B14F-4D97-AF65-F5344CB8AC3E}">
-        <p14:creationId xmlns:p14="http://schemas.microsoft.com/office/powerpoint/2010/main" val="2269913349"/>
+        <p14:creationId xmlns:p14="http://schemas.microsoft.com/office/powerpoint/2010/main" val="1569662877"/>
       </p:ext>
     </p:extLst>
   </p:cSld>
@@ -547,7 +547,7 @@
           <p:cNvPr id="2" name="竖排标题 1">
             <a:extLst>
               <a:ext uri="{FF2B5EF4-FFF2-40B4-BE49-F238E27FC236}">
-                <a16:creationId xmlns:a16="http://schemas.microsoft.com/office/drawing/2014/main" id="{473B5CEC-2867-1008-6B9C-91E6FC45A410}"/>
+                <a16:creationId xmlns:a16="http://schemas.microsoft.com/office/drawing/2014/main" id="{1BFF5A86-9F01-8C38-0500-93F9D1CD36AF}"/>
               </a:ext>
             </a:extLst>
           </p:cNvPr>
@@ -580,7 +580,7 @@
           <p:cNvPr id="3" name="竖排文字占位符 2">
             <a:extLst>
               <a:ext uri="{FF2B5EF4-FFF2-40B4-BE49-F238E27FC236}">
-                <a16:creationId xmlns:a16="http://schemas.microsoft.com/office/drawing/2014/main" id="{FFC4F15E-437D-E3B5-8D74-190906B5C256}"/>
+                <a16:creationId xmlns:a16="http://schemas.microsoft.com/office/drawing/2014/main" id="{9B915A22-E94B-BCB8-4F21-EFC084894E3E}"/>
               </a:ext>
             </a:extLst>
           </p:cNvPr>
@@ -642,7 +642,7 @@
           <p:cNvPr id="4" name="日期占位符 3">
             <a:extLst>
               <a:ext uri="{FF2B5EF4-FFF2-40B4-BE49-F238E27FC236}">
-                <a16:creationId xmlns:a16="http://schemas.microsoft.com/office/drawing/2014/main" id="{02E10076-A437-4082-8D8B-1391A524B9AF}"/>
+                <a16:creationId xmlns:a16="http://schemas.microsoft.com/office/drawing/2014/main" id="{6FA857C5-C2E2-89A6-FD10-7A0DDE770A1D}"/>
               </a:ext>
             </a:extLst>
           </p:cNvPr>
@@ -658,7 +658,7 @@
           <a:bodyPr/>
           <a:lstStyle/>
           <a:p>
-            <a:fld id="{F9246B1A-C81F-4591-8497-05D55479B746}" type="datetimeFigureOut">
+            <a:fld id="{C0349B25-5614-4CA7-B9AE-E957D0983656}" type="datetimeFigureOut">
               <a:rPr lang="zh-CN" altLang="en-US" smtClean="0"/>
               <a:t>2024/3/10</a:t>
             </a:fld>
@@ -671,7 +671,7 @@
           <p:cNvPr id="5" name="页脚占位符 4">
             <a:extLst>
               <a:ext uri="{FF2B5EF4-FFF2-40B4-BE49-F238E27FC236}">
-                <a16:creationId xmlns:a16="http://schemas.microsoft.com/office/drawing/2014/main" id="{0875EFF2-B738-32E1-CAC3-3E87AB313E58}"/>
+                <a16:creationId xmlns:a16="http://schemas.microsoft.com/office/drawing/2014/main" id="{A9757AC5-94D9-A6AB-E471-2714393A3D90}"/>
               </a:ext>
             </a:extLst>
           </p:cNvPr>
@@ -696,7 +696,7 @@
           <p:cNvPr id="6" name="灯片编号占位符 5">
             <a:extLst>
               <a:ext uri="{FF2B5EF4-FFF2-40B4-BE49-F238E27FC236}">
-                <a16:creationId xmlns:a16="http://schemas.microsoft.com/office/drawing/2014/main" id="{4997F632-CD76-31F0-DBC9-B5B58254F599}"/>
+                <a16:creationId xmlns:a16="http://schemas.microsoft.com/office/drawing/2014/main" id="{B14CA788-FDE7-99C5-9CA9-90707CB1523A}"/>
               </a:ext>
             </a:extLst>
           </p:cNvPr>
@@ -712,7 +712,7 @@
           <a:bodyPr/>
           <a:lstStyle/>
           <a:p>
-            <a:fld id="{B6C01E48-3352-4934-A978-265B64F311F3}" type="slidenum">
+            <a:fld id="{1DC4A67B-8EE8-4333-A790-BE1009852FBA}" type="slidenum">
               <a:rPr lang="zh-CN" altLang="en-US" smtClean="0"/>
               <a:t>‹#›</a:t>
             </a:fld>
@@ -723,7 +723,7 @@
     </p:spTree>
     <p:extLst>
       <p:ext uri="{BB962C8B-B14F-4D97-AF65-F5344CB8AC3E}">
-        <p14:creationId xmlns:p14="http://schemas.microsoft.com/office/powerpoint/2010/main" val="1259534492"/>
+        <p14:creationId xmlns:p14="http://schemas.microsoft.com/office/powerpoint/2010/main" val="2844633971"/>
       </p:ext>
     </p:extLst>
   </p:cSld>
@@ -755,7 +755,7 @@
           <p:cNvPr id="2" name="标题 1">
             <a:extLst>
               <a:ext uri="{FF2B5EF4-FFF2-40B4-BE49-F238E27FC236}">
-                <a16:creationId xmlns:a16="http://schemas.microsoft.com/office/drawing/2014/main" id="{E63A0B80-535A-325D-6870-A9DA8F321835}"/>
+                <a16:creationId xmlns:a16="http://schemas.microsoft.com/office/drawing/2014/main" id="{EBBD8929-8D43-07FB-9C87-195BA9C5E000}"/>
               </a:ext>
             </a:extLst>
           </p:cNvPr>
@@ -783,7 +783,7 @@
           <p:cNvPr id="3" name="内容占位符 2">
             <a:extLst>
               <a:ext uri="{FF2B5EF4-FFF2-40B4-BE49-F238E27FC236}">
-                <a16:creationId xmlns:a16="http://schemas.microsoft.com/office/drawing/2014/main" id="{31FA7C28-33CD-0280-DF4D-D068D6671CC0}"/>
+                <a16:creationId xmlns:a16="http://schemas.microsoft.com/office/drawing/2014/main" id="{65BC1803-3254-38E5-0209-14F808D5EABA}"/>
               </a:ext>
             </a:extLst>
           </p:cNvPr>
@@ -840,7 +840,7 @@
           <p:cNvPr id="4" name="日期占位符 3">
             <a:extLst>
               <a:ext uri="{FF2B5EF4-FFF2-40B4-BE49-F238E27FC236}">
-                <a16:creationId xmlns:a16="http://schemas.microsoft.com/office/drawing/2014/main" id="{1F957453-B385-8A25-BEE9-78D90812A800}"/>
+                <a16:creationId xmlns:a16="http://schemas.microsoft.com/office/drawing/2014/main" id="{33ADA86E-8273-BFEF-B45C-4124241C8204}"/>
               </a:ext>
             </a:extLst>
           </p:cNvPr>
@@ -856,7 +856,7 @@
           <a:bodyPr/>
           <a:lstStyle/>
           <a:p>
-            <a:fld id="{F9246B1A-C81F-4591-8497-05D55479B746}" type="datetimeFigureOut">
+            <a:fld id="{C0349B25-5614-4CA7-B9AE-E957D0983656}" type="datetimeFigureOut">
               <a:rPr lang="zh-CN" altLang="en-US" smtClean="0"/>
               <a:t>2024/3/10</a:t>
             </a:fld>
@@ -869,7 +869,7 @@
           <p:cNvPr id="5" name="页脚占位符 4">
             <a:extLst>
               <a:ext uri="{FF2B5EF4-FFF2-40B4-BE49-F238E27FC236}">
-                <a16:creationId xmlns:a16="http://schemas.microsoft.com/office/drawing/2014/main" id="{6D9B9B44-8736-FDBD-940F-F8D67DB4CE7C}"/>
+                <a16:creationId xmlns:a16="http://schemas.microsoft.com/office/drawing/2014/main" id="{41C40289-22BF-7959-E4A9-1372C94C48AC}"/>
               </a:ext>
             </a:extLst>
           </p:cNvPr>
@@ -894,7 +894,7 @@
           <p:cNvPr id="6" name="灯片编号占位符 5">
             <a:extLst>
               <a:ext uri="{FF2B5EF4-FFF2-40B4-BE49-F238E27FC236}">
-                <a16:creationId xmlns:a16="http://schemas.microsoft.com/office/drawing/2014/main" id="{4D37DEDF-E0EF-42CD-2BC0-D0ACA0691E2B}"/>
+                <a16:creationId xmlns:a16="http://schemas.microsoft.com/office/drawing/2014/main" id="{6770D3AA-1277-9CDE-5B18-E327892D3CEF}"/>
               </a:ext>
             </a:extLst>
           </p:cNvPr>
@@ -910,7 +910,7 @@
           <a:bodyPr/>
           <a:lstStyle/>
           <a:p>
-            <a:fld id="{B6C01E48-3352-4934-A978-265B64F311F3}" type="slidenum">
+            <a:fld id="{1DC4A67B-8EE8-4333-A790-BE1009852FBA}" type="slidenum">
               <a:rPr lang="zh-CN" altLang="en-US" smtClean="0"/>
               <a:t>‹#›</a:t>
             </a:fld>
@@ -921,7 +921,7 @@
     </p:spTree>
     <p:extLst>
       <p:ext uri="{BB962C8B-B14F-4D97-AF65-F5344CB8AC3E}">
-        <p14:creationId xmlns:p14="http://schemas.microsoft.com/office/powerpoint/2010/main" val="3403407414"/>
+        <p14:creationId xmlns:p14="http://schemas.microsoft.com/office/powerpoint/2010/main" val="3016374981"/>
       </p:ext>
     </p:extLst>
   </p:cSld>
@@ -953,7 +953,7 @@
           <p:cNvPr id="2" name="标题 1">
             <a:extLst>
               <a:ext uri="{FF2B5EF4-FFF2-40B4-BE49-F238E27FC236}">
-                <a16:creationId xmlns:a16="http://schemas.microsoft.com/office/drawing/2014/main" id="{03B36165-23FF-35BF-8C3E-1E0FE3E751EE}"/>
+                <a16:creationId xmlns:a16="http://schemas.microsoft.com/office/drawing/2014/main" id="{BA4D71E3-68FE-0EAB-1C3D-5E2C4A1FE434}"/>
               </a:ext>
             </a:extLst>
           </p:cNvPr>
@@ -990,7 +990,7 @@
           <p:cNvPr id="3" name="文本占位符 2">
             <a:extLst>
               <a:ext uri="{FF2B5EF4-FFF2-40B4-BE49-F238E27FC236}">
-                <a16:creationId xmlns:a16="http://schemas.microsoft.com/office/drawing/2014/main" id="{3EB08401-93CD-8B8E-9DD8-2AC31F0730C7}"/>
+                <a16:creationId xmlns:a16="http://schemas.microsoft.com/office/drawing/2014/main" id="{DD9F171E-CC27-BCB0-B91E-5058D6ACC234}"/>
               </a:ext>
             </a:extLst>
           </p:cNvPr>
@@ -1115,7 +1115,7 @@
           <p:cNvPr id="4" name="日期占位符 3">
             <a:extLst>
               <a:ext uri="{FF2B5EF4-FFF2-40B4-BE49-F238E27FC236}">
-                <a16:creationId xmlns:a16="http://schemas.microsoft.com/office/drawing/2014/main" id="{2A08D9E7-654C-2312-8A44-DEEDC0A6D8BD}"/>
+                <a16:creationId xmlns:a16="http://schemas.microsoft.com/office/drawing/2014/main" id="{CD804433-95EC-2431-ED38-321CEC7801BD}"/>
               </a:ext>
             </a:extLst>
           </p:cNvPr>
@@ -1131,7 +1131,7 @@
           <a:bodyPr/>
           <a:lstStyle/>
           <a:p>
-            <a:fld id="{F9246B1A-C81F-4591-8497-05D55479B746}" type="datetimeFigureOut">
+            <a:fld id="{C0349B25-5614-4CA7-B9AE-E957D0983656}" type="datetimeFigureOut">
               <a:rPr lang="zh-CN" altLang="en-US" smtClean="0"/>
               <a:t>2024/3/10</a:t>
             </a:fld>
@@ -1144,7 +1144,7 @@
           <p:cNvPr id="5" name="页脚占位符 4">
             <a:extLst>
               <a:ext uri="{FF2B5EF4-FFF2-40B4-BE49-F238E27FC236}">
-                <a16:creationId xmlns:a16="http://schemas.microsoft.com/office/drawing/2014/main" id="{D04C4BB0-555D-9EF7-CE45-893A5B3FA9B2}"/>
+                <a16:creationId xmlns:a16="http://schemas.microsoft.com/office/drawing/2014/main" id="{928C1790-ADE2-1C7E-9D77-BF14F45E1142}"/>
               </a:ext>
             </a:extLst>
           </p:cNvPr>
@@ -1169,7 +1169,7 @@
           <p:cNvPr id="6" name="灯片编号占位符 5">
             <a:extLst>
               <a:ext uri="{FF2B5EF4-FFF2-40B4-BE49-F238E27FC236}">
-                <a16:creationId xmlns:a16="http://schemas.microsoft.com/office/drawing/2014/main" id="{90EF7F27-0908-96FF-B455-D3A9FA1D1CBF}"/>
+                <a16:creationId xmlns:a16="http://schemas.microsoft.com/office/drawing/2014/main" id="{F67FF92F-EE82-360A-E903-FD3ACCE97DE1}"/>
               </a:ext>
             </a:extLst>
           </p:cNvPr>
@@ -1185,7 +1185,7 @@
           <a:bodyPr/>
           <a:lstStyle/>
           <a:p>
-            <a:fld id="{B6C01E48-3352-4934-A978-265B64F311F3}" type="slidenum">
+            <a:fld id="{1DC4A67B-8EE8-4333-A790-BE1009852FBA}" type="slidenum">
               <a:rPr lang="zh-CN" altLang="en-US" smtClean="0"/>
               <a:t>‹#›</a:t>
             </a:fld>
@@ -1196,7 +1196,7 @@
     </p:spTree>
     <p:extLst>
       <p:ext uri="{BB962C8B-B14F-4D97-AF65-F5344CB8AC3E}">
-        <p14:creationId xmlns:p14="http://schemas.microsoft.com/office/powerpoint/2010/main" val="2745082076"/>
+        <p14:creationId xmlns:p14="http://schemas.microsoft.com/office/powerpoint/2010/main" val="2887678118"/>
       </p:ext>
     </p:extLst>
   </p:cSld>
@@ -1228,7 +1228,7 @@
           <p:cNvPr id="2" name="标题 1">
             <a:extLst>
               <a:ext uri="{FF2B5EF4-FFF2-40B4-BE49-F238E27FC236}">
-                <a16:creationId xmlns:a16="http://schemas.microsoft.com/office/drawing/2014/main" id="{087F211C-6DA6-10A8-8E39-8C9823BE6305}"/>
+                <a16:creationId xmlns:a16="http://schemas.microsoft.com/office/drawing/2014/main" id="{4A10247F-4539-14C0-B1A8-9F998EDC103D}"/>
               </a:ext>
             </a:extLst>
           </p:cNvPr>
@@ -1256,7 +1256,7 @@
           <p:cNvPr id="3" name="内容占位符 2">
             <a:extLst>
               <a:ext uri="{FF2B5EF4-FFF2-40B4-BE49-F238E27FC236}">
-                <a16:creationId xmlns:a16="http://schemas.microsoft.com/office/drawing/2014/main" id="{A4E8BBAE-D726-F1A1-E9E5-BBA05B6F819C}"/>
+                <a16:creationId xmlns:a16="http://schemas.microsoft.com/office/drawing/2014/main" id="{781CBAA4-3258-AE26-510A-34053070333D}"/>
               </a:ext>
             </a:extLst>
           </p:cNvPr>
@@ -1318,7 +1318,7 @@
           <p:cNvPr id="4" name="内容占位符 3">
             <a:extLst>
               <a:ext uri="{FF2B5EF4-FFF2-40B4-BE49-F238E27FC236}">
-                <a16:creationId xmlns:a16="http://schemas.microsoft.com/office/drawing/2014/main" id="{BC8AF0BD-2F7D-1AC8-C026-DFA13802D949}"/>
+                <a16:creationId xmlns:a16="http://schemas.microsoft.com/office/drawing/2014/main" id="{6043CCA6-768F-1A54-BAB9-BE09A5DF5549}"/>
               </a:ext>
             </a:extLst>
           </p:cNvPr>
@@ -1380,7 +1380,7 @@
           <p:cNvPr id="5" name="日期占位符 4">
             <a:extLst>
               <a:ext uri="{FF2B5EF4-FFF2-40B4-BE49-F238E27FC236}">
-                <a16:creationId xmlns:a16="http://schemas.microsoft.com/office/drawing/2014/main" id="{5D0509AE-125E-71BF-09D4-2CB9F0C9391C}"/>
+                <a16:creationId xmlns:a16="http://schemas.microsoft.com/office/drawing/2014/main" id="{7E128B7E-2704-F926-5046-103312BA031C}"/>
               </a:ext>
             </a:extLst>
           </p:cNvPr>
@@ -1396,7 +1396,7 @@
           <a:bodyPr/>
           <a:lstStyle/>
           <a:p>
-            <a:fld id="{F9246B1A-C81F-4591-8497-05D55479B746}" type="datetimeFigureOut">
+            <a:fld id="{C0349B25-5614-4CA7-B9AE-E957D0983656}" type="datetimeFigureOut">
               <a:rPr lang="zh-CN" altLang="en-US" smtClean="0"/>
               <a:t>2024/3/10</a:t>
             </a:fld>
@@ -1409,7 +1409,7 @@
           <p:cNvPr id="6" name="页脚占位符 5">
             <a:extLst>
               <a:ext uri="{FF2B5EF4-FFF2-40B4-BE49-F238E27FC236}">
-                <a16:creationId xmlns:a16="http://schemas.microsoft.com/office/drawing/2014/main" id="{623B87FF-098A-6665-E669-A03582179212}"/>
+                <a16:creationId xmlns:a16="http://schemas.microsoft.com/office/drawing/2014/main" id="{A7B30F25-3C97-28B4-6127-12769810E253}"/>
               </a:ext>
             </a:extLst>
           </p:cNvPr>
@@ -1434,7 +1434,7 @@
           <p:cNvPr id="7" name="灯片编号占位符 6">
             <a:extLst>
               <a:ext uri="{FF2B5EF4-FFF2-40B4-BE49-F238E27FC236}">
-                <a16:creationId xmlns:a16="http://schemas.microsoft.com/office/drawing/2014/main" id="{205576EC-2A31-2A7F-919C-EAC6D0651FB6}"/>
+                <a16:creationId xmlns:a16="http://schemas.microsoft.com/office/drawing/2014/main" id="{92623B8E-D9C8-0248-81EB-D0DCC89DCDF7}"/>
               </a:ext>
             </a:extLst>
           </p:cNvPr>
@@ -1450,7 +1450,7 @@
           <a:bodyPr/>
           <a:lstStyle/>
           <a:p>
-            <a:fld id="{B6C01E48-3352-4934-A978-265B64F311F3}" type="slidenum">
+            <a:fld id="{1DC4A67B-8EE8-4333-A790-BE1009852FBA}" type="slidenum">
               <a:rPr lang="zh-CN" altLang="en-US" smtClean="0"/>
               <a:t>‹#›</a:t>
             </a:fld>
@@ -1461,7 +1461,7 @@
     </p:spTree>
     <p:extLst>
       <p:ext uri="{BB962C8B-B14F-4D97-AF65-F5344CB8AC3E}">
-        <p14:creationId xmlns:p14="http://schemas.microsoft.com/office/powerpoint/2010/main" val="2953576598"/>
+        <p14:creationId xmlns:p14="http://schemas.microsoft.com/office/powerpoint/2010/main" val="231136242"/>
       </p:ext>
     </p:extLst>
   </p:cSld>
@@ -1493,7 +1493,7 @@
           <p:cNvPr id="2" name="标题 1">
             <a:extLst>
               <a:ext uri="{FF2B5EF4-FFF2-40B4-BE49-F238E27FC236}">
-                <a16:creationId xmlns:a16="http://schemas.microsoft.com/office/drawing/2014/main" id="{1BD614A6-F370-A05F-0E90-03EFE98C0864}"/>
+                <a16:creationId xmlns:a16="http://schemas.microsoft.com/office/drawing/2014/main" id="{FDDE973C-D299-5F3A-DC4E-4F803DBF8885}"/>
               </a:ext>
             </a:extLst>
           </p:cNvPr>
@@ -1526,7 +1526,7 @@
           <p:cNvPr id="3" name="文本占位符 2">
             <a:extLst>
               <a:ext uri="{FF2B5EF4-FFF2-40B4-BE49-F238E27FC236}">
-                <a16:creationId xmlns:a16="http://schemas.microsoft.com/office/drawing/2014/main" id="{902F69B9-6568-3313-21F0-BAFB7D45627C}"/>
+                <a16:creationId xmlns:a16="http://schemas.microsoft.com/office/drawing/2014/main" id="{AEE5D488-8805-A5D9-C30B-4E9D1090825E}"/>
               </a:ext>
             </a:extLst>
           </p:cNvPr>
@@ -1597,7 +1597,7 @@
           <p:cNvPr id="4" name="内容占位符 3">
             <a:extLst>
               <a:ext uri="{FF2B5EF4-FFF2-40B4-BE49-F238E27FC236}">
-                <a16:creationId xmlns:a16="http://schemas.microsoft.com/office/drawing/2014/main" id="{F75E3B20-5A88-AF82-E6C5-85EF5B8DE194}"/>
+                <a16:creationId xmlns:a16="http://schemas.microsoft.com/office/drawing/2014/main" id="{5EA39BCE-1C79-B01B-7494-A7938AA83AAB}"/>
               </a:ext>
             </a:extLst>
           </p:cNvPr>
@@ -1659,7 +1659,7 @@
           <p:cNvPr id="5" name="文本占位符 4">
             <a:extLst>
               <a:ext uri="{FF2B5EF4-FFF2-40B4-BE49-F238E27FC236}">
-                <a16:creationId xmlns:a16="http://schemas.microsoft.com/office/drawing/2014/main" id="{B082EE9C-D670-B74D-212B-254EE060A8F7}"/>
+                <a16:creationId xmlns:a16="http://schemas.microsoft.com/office/drawing/2014/main" id="{C7CC6FB3-7F3D-EA29-A685-201A108D6939}"/>
               </a:ext>
             </a:extLst>
           </p:cNvPr>
@@ -1730,7 +1730,7 @@
           <p:cNvPr id="6" name="内容占位符 5">
             <a:extLst>
               <a:ext uri="{FF2B5EF4-FFF2-40B4-BE49-F238E27FC236}">
-                <a16:creationId xmlns:a16="http://schemas.microsoft.com/office/drawing/2014/main" id="{2550B583-F19A-29DF-3BF4-B1B682021C31}"/>
+                <a16:creationId xmlns:a16="http://schemas.microsoft.com/office/drawing/2014/main" id="{A15DF7B0-8419-B57A-7A1B-CC97D5C886EC}"/>
               </a:ext>
             </a:extLst>
           </p:cNvPr>
@@ -1792,7 +1792,7 @@
           <p:cNvPr id="7" name="日期占位符 6">
             <a:extLst>
               <a:ext uri="{FF2B5EF4-FFF2-40B4-BE49-F238E27FC236}">
-                <a16:creationId xmlns:a16="http://schemas.microsoft.com/office/drawing/2014/main" id="{E50EE2CD-EE00-1A0A-8ABA-580C733A4F60}"/>
+                <a16:creationId xmlns:a16="http://schemas.microsoft.com/office/drawing/2014/main" id="{243BA9A2-2CE5-CB68-F04F-81AD2E97278C}"/>
               </a:ext>
             </a:extLst>
           </p:cNvPr>
@@ -1808,7 +1808,7 @@
           <a:bodyPr/>
           <a:lstStyle/>
           <a:p>
-            <a:fld id="{F9246B1A-C81F-4591-8497-05D55479B746}" type="datetimeFigureOut">
+            <a:fld id="{C0349B25-5614-4CA7-B9AE-E957D0983656}" type="datetimeFigureOut">
               <a:rPr lang="zh-CN" altLang="en-US" smtClean="0"/>
               <a:t>2024/3/10</a:t>
             </a:fld>
@@ -1821,7 +1821,7 @@
           <p:cNvPr id="8" name="页脚占位符 7">
             <a:extLst>
               <a:ext uri="{FF2B5EF4-FFF2-40B4-BE49-F238E27FC236}">
-                <a16:creationId xmlns:a16="http://schemas.microsoft.com/office/drawing/2014/main" id="{CB3CC03A-CC30-A92D-DE78-1ACB6496F3D7}"/>
+                <a16:creationId xmlns:a16="http://schemas.microsoft.com/office/drawing/2014/main" id="{8A53F5FF-7F5F-8070-211C-6359E488B821}"/>
               </a:ext>
             </a:extLst>
           </p:cNvPr>
@@ -1846,7 +1846,7 @@
           <p:cNvPr id="9" name="灯片编号占位符 8">
             <a:extLst>
               <a:ext uri="{FF2B5EF4-FFF2-40B4-BE49-F238E27FC236}">
-                <a16:creationId xmlns:a16="http://schemas.microsoft.com/office/drawing/2014/main" id="{D32F0705-8E29-F28B-AE88-6A11E23B7EF3}"/>
+                <a16:creationId xmlns:a16="http://schemas.microsoft.com/office/drawing/2014/main" id="{B3E7A5DC-9961-905E-80F0-833FEBA67E7C}"/>
               </a:ext>
             </a:extLst>
           </p:cNvPr>
@@ -1862,7 +1862,7 @@
           <a:bodyPr/>
           <a:lstStyle/>
           <a:p>
-            <a:fld id="{B6C01E48-3352-4934-A978-265B64F311F3}" type="slidenum">
+            <a:fld id="{1DC4A67B-8EE8-4333-A790-BE1009852FBA}" type="slidenum">
               <a:rPr lang="zh-CN" altLang="en-US" smtClean="0"/>
               <a:t>‹#›</a:t>
             </a:fld>
@@ -1873,7 +1873,7 @@
     </p:spTree>
     <p:extLst>
       <p:ext uri="{BB962C8B-B14F-4D97-AF65-F5344CB8AC3E}">
-        <p14:creationId xmlns:p14="http://schemas.microsoft.com/office/powerpoint/2010/main" val="3720947796"/>
+        <p14:creationId xmlns:p14="http://schemas.microsoft.com/office/powerpoint/2010/main" val="2196966167"/>
       </p:ext>
     </p:extLst>
   </p:cSld>
@@ -1905,7 +1905,7 @@
           <p:cNvPr id="2" name="标题 1">
             <a:extLst>
               <a:ext uri="{FF2B5EF4-FFF2-40B4-BE49-F238E27FC236}">
-                <a16:creationId xmlns:a16="http://schemas.microsoft.com/office/drawing/2014/main" id="{66DF6DEF-5CB3-ECD1-A98E-F97077341668}"/>
+                <a16:creationId xmlns:a16="http://schemas.microsoft.com/office/drawing/2014/main" id="{C97AF08A-90B8-834E-4B57-D4CBC9892C70}"/>
               </a:ext>
             </a:extLst>
           </p:cNvPr>
@@ -1933,7 +1933,7 @@
           <p:cNvPr id="3" name="日期占位符 2">
             <a:extLst>
               <a:ext uri="{FF2B5EF4-FFF2-40B4-BE49-F238E27FC236}">
-                <a16:creationId xmlns:a16="http://schemas.microsoft.com/office/drawing/2014/main" id="{513CB35B-9DCB-67DE-7B3E-C839E1037C95}"/>
+                <a16:creationId xmlns:a16="http://schemas.microsoft.com/office/drawing/2014/main" id="{0E95C724-6DFA-5278-A837-516B37567E74}"/>
               </a:ext>
             </a:extLst>
           </p:cNvPr>
@@ -1949,7 +1949,7 @@
           <a:bodyPr/>
           <a:lstStyle/>
           <a:p>
-            <a:fld id="{F9246B1A-C81F-4591-8497-05D55479B746}" type="datetimeFigureOut">
+            <a:fld id="{C0349B25-5614-4CA7-B9AE-E957D0983656}" type="datetimeFigureOut">
               <a:rPr lang="zh-CN" altLang="en-US" smtClean="0"/>
               <a:t>2024/3/10</a:t>
             </a:fld>
@@ -1962,7 +1962,7 @@
           <p:cNvPr id="4" name="页脚占位符 3">
             <a:extLst>
               <a:ext uri="{FF2B5EF4-FFF2-40B4-BE49-F238E27FC236}">
-                <a16:creationId xmlns:a16="http://schemas.microsoft.com/office/drawing/2014/main" id="{36C8F8AA-127F-E56B-FB38-638815FB3536}"/>
+                <a16:creationId xmlns:a16="http://schemas.microsoft.com/office/drawing/2014/main" id="{D8177CD4-36F9-8332-7C3E-FD48ABA1B0D2}"/>
               </a:ext>
             </a:extLst>
           </p:cNvPr>
@@ -1987,7 +1987,7 @@
           <p:cNvPr id="5" name="灯片编号占位符 4">
             <a:extLst>
               <a:ext uri="{FF2B5EF4-FFF2-40B4-BE49-F238E27FC236}">
-                <a16:creationId xmlns:a16="http://schemas.microsoft.com/office/drawing/2014/main" id="{7CCC0B04-A714-191E-57E8-7F043534D84D}"/>
+                <a16:creationId xmlns:a16="http://schemas.microsoft.com/office/drawing/2014/main" id="{420B6862-4497-6F2D-7606-D8698EDFBFBE}"/>
               </a:ext>
             </a:extLst>
           </p:cNvPr>
@@ -2003,7 +2003,7 @@
           <a:bodyPr/>
           <a:lstStyle/>
           <a:p>
-            <a:fld id="{B6C01E48-3352-4934-A978-265B64F311F3}" type="slidenum">
+            <a:fld id="{1DC4A67B-8EE8-4333-A790-BE1009852FBA}" type="slidenum">
               <a:rPr lang="zh-CN" altLang="en-US" smtClean="0"/>
               <a:t>‹#›</a:t>
             </a:fld>
@@ -2014,7 +2014,7 @@
     </p:spTree>
     <p:extLst>
       <p:ext uri="{BB962C8B-B14F-4D97-AF65-F5344CB8AC3E}">
-        <p14:creationId xmlns:p14="http://schemas.microsoft.com/office/powerpoint/2010/main" val="2646463619"/>
+        <p14:creationId xmlns:p14="http://schemas.microsoft.com/office/powerpoint/2010/main" val="3576854775"/>
       </p:ext>
     </p:extLst>
   </p:cSld>
@@ -2046,7 +2046,7 @@
           <p:cNvPr id="2" name="日期占位符 1">
             <a:extLst>
               <a:ext uri="{FF2B5EF4-FFF2-40B4-BE49-F238E27FC236}">
-                <a16:creationId xmlns:a16="http://schemas.microsoft.com/office/drawing/2014/main" id="{52EB9CF7-B01F-E6A9-3CD8-F07324FC7F35}"/>
+                <a16:creationId xmlns:a16="http://schemas.microsoft.com/office/drawing/2014/main" id="{7958F535-B53E-D97F-3013-4C39F257CBEF}"/>
               </a:ext>
             </a:extLst>
           </p:cNvPr>
@@ -2062,7 +2062,7 @@
           <a:bodyPr/>
           <a:lstStyle/>
           <a:p>
-            <a:fld id="{F9246B1A-C81F-4591-8497-05D55479B746}" type="datetimeFigureOut">
+            <a:fld id="{C0349B25-5614-4CA7-B9AE-E957D0983656}" type="datetimeFigureOut">
               <a:rPr lang="zh-CN" altLang="en-US" smtClean="0"/>
               <a:t>2024/3/10</a:t>
             </a:fld>
@@ -2075,7 +2075,7 @@
           <p:cNvPr id="3" name="页脚占位符 2">
             <a:extLst>
               <a:ext uri="{FF2B5EF4-FFF2-40B4-BE49-F238E27FC236}">
-                <a16:creationId xmlns:a16="http://schemas.microsoft.com/office/drawing/2014/main" id="{8287A431-507F-E9BE-BFFD-D46BAEF41EE9}"/>
+                <a16:creationId xmlns:a16="http://schemas.microsoft.com/office/drawing/2014/main" id="{0037A000-04C8-4803-EAE8-DBFB4B21702A}"/>
               </a:ext>
             </a:extLst>
           </p:cNvPr>
@@ -2100,7 +2100,7 @@
           <p:cNvPr id="4" name="灯片编号占位符 3">
             <a:extLst>
               <a:ext uri="{FF2B5EF4-FFF2-40B4-BE49-F238E27FC236}">
-                <a16:creationId xmlns:a16="http://schemas.microsoft.com/office/drawing/2014/main" id="{C89450B4-A1E6-FFCE-92CC-F563BE00ADC0}"/>
+                <a16:creationId xmlns:a16="http://schemas.microsoft.com/office/drawing/2014/main" id="{8A30E043-DE6A-4F5F-A6D0-455DCE6B5C46}"/>
               </a:ext>
             </a:extLst>
           </p:cNvPr>
@@ -2116,7 +2116,7 @@
           <a:bodyPr/>
           <a:lstStyle/>
           <a:p>
-            <a:fld id="{B6C01E48-3352-4934-A978-265B64F311F3}" type="slidenum">
+            <a:fld id="{1DC4A67B-8EE8-4333-A790-BE1009852FBA}" type="slidenum">
               <a:rPr lang="zh-CN" altLang="en-US" smtClean="0"/>
               <a:t>‹#›</a:t>
             </a:fld>
@@ -2127,7 +2127,7 @@
     </p:spTree>
     <p:extLst>
       <p:ext uri="{BB962C8B-B14F-4D97-AF65-F5344CB8AC3E}">
-        <p14:creationId xmlns:p14="http://schemas.microsoft.com/office/powerpoint/2010/main" val="4135187983"/>
+        <p14:creationId xmlns:p14="http://schemas.microsoft.com/office/powerpoint/2010/main" val="3077967207"/>
       </p:ext>
     </p:extLst>
   </p:cSld>
@@ -2159,7 +2159,7 @@
           <p:cNvPr id="2" name="标题 1">
             <a:extLst>
               <a:ext uri="{FF2B5EF4-FFF2-40B4-BE49-F238E27FC236}">
-                <a16:creationId xmlns:a16="http://schemas.microsoft.com/office/drawing/2014/main" id="{550E95E4-1BBD-69E4-516E-826436DB82CC}"/>
+                <a16:creationId xmlns:a16="http://schemas.microsoft.com/office/drawing/2014/main" id="{043C4B7B-8EA0-F30B-DCB4-4AFBFBB05063}"/>
               </a:ext>
             </a:extLst>
           </p:cNvPr>
@@ -2196,7 +2196,7 @@
           <p:cNvPr id="3" name="内容占位符 2">
             <a:extLst>
               <a:ext uri="{FF2B5EF4-FFF2-40B4-BE49-F238E27FC236}">
-                <a16:creationId xmlns:a16="http://schemas.microsoft.com/office/drawing/2014/main" id="{3767A3FF-F819-E913-6B82-B912FCC45E97}"/>
+                <a16:creationId xmlns:a16="http://schemas.microsoft.com/office/drawing/2014/main" id="{4C5C99A1-E593-8E13-F7D2-11C20551F693}"/>
               </a:ext>
             </a:extLst>
           </p:cNvPr>
@@ -2286,7 +2286,7 @@
           <p:cNvPr id="4" name="文本占位符 3">
             <a:extLst>
               <a:ext uri="{FF2B5EF4-FFF2-40B4-BE49-F238E27FC236}">
-                <a16:creationId xmlns:a16="http://schemas.microsoft.com/office/drawing/2014/main" id="{6ECC5358-6EDE-DC92-1C32-D7DF2DAD9BA5}"/>
+                <a16:creationId xmlns:a16="http://schemas.microsoft.com/office/drawing/2014/main" id="{5562E2BE-FB15-6DCF-2DF0-4ABAFFD403E0}"/>
               </a:ext>
             </a:extLst>
           </p:cNvPr>
@@ -2357,7 +2357,7 @@
           <p:cNvPr id="5" name="日期占位符 4">
             <a:extLst>
               <a:ext uri="{FF2B5EF4-FFF2-40B4-BE49-F238E27FC236}">
-                <a16:creationId xmlns:a16="http://schemas.microsoft.com/office/drawing/2014/main" id="{41C25D4D-02F8-6338-E2CC-BB939525FAFD}"/>
+                <a16:creationId xmlns:a16="http://schemas.microsoft.com/office/drawing/2014/main" id="{035BD9A9-E5C2-F436-C3D3-0EE8F58DCF2E}"/>
               </a:ext>
             </a:extLst>
           </p:cNvPr>
@@ -2373,7 +2373,7 @@
           <a:bodyPr/>
           <a:lstStyle/>
           <a:p>
-            <a:fld id="{F9246B1A-C81F-4591-8497-05D55479B746}" type="datetimeFigureOut">
+            <a:fld id="{C0349B25-5614-4CA7-B9AE-E957D0983656}" type="datetimeFigureOut">
               <a:rPr lang="zh-CN" altLang="en-US" smtClean="0"/>
               <a:t>2024/3/10</a:t>
             </a:fld>
@@ -2386,7 +2386,7 @@
           <p:cNvPr id="6" name="页脚占位符 5">
             <a:extLst>
               <a:ext uri="{FF2B5EF4-FFF2-40B4-BE49-F238E27FC236}">
-                <a16:creationId xmlns:a16="http://schemas.microsoft.com/office/drawing/2014/main" id="{6443934D-4E5F-8111-77E4-3A52F2587B0E}"/>
+                <a16:creationId xmlns:a16="http://schemas.microsoft.com/office/drawing/2014/main" id="{2818BF01-AB27-A026-D404-DE77B621E2CF}"/>
               </a:ext>
             </a:extLst>
           </p:cNvPr>
@@ -2411,7 +2411,7 @@
           <p:cNvPr id="7" name="灯片编号占位符 6">
             <a:extLst>
               <a:ext uri="{FF2B5EF4-FFF2-40B4-BE49-F238E27FC236}">
-                <a16:creationId xmlns:a16="http://schemas.microsoft.com/office/drawing/2014/main" id="{BA4CC0E6-56D5-BA71-2D6B-48BC94E5362F}"/>
+                <a16:creationId xmlns:a16="http://schemas.microsoft.com/office/drawing/2014/main" id="{A9F7E307-34B1-CCDD-AA1A-BD04E3F78639}"/>
               </a:ext>
             </a:extLst>
           </p:cNvPr>
@@ -2427,7 +2427,7 @@
           <a:bodyPr/>
           <a:lstStyle/>
           <a:p>
-            <a:fld id="{B6C01E48-3352-4934-A978-265B64F311F3}" type="slidenum">
+            <a:fld id="{1DC4A67B-8EE8-4333-A790-BE1009852FBA}" type="slidenum">
               <a:rPr lang="zh-CN" altLang="en-US" smtClean="0"/>
               <a:t>‹#›</a:t>
             </a:fld>
@@ -2438,7 +2438,7 @@
     </p:spTree>
     <p:extLst>
       <p:ext uri="{BB962C8B-B14F-4D97-AF65-F5344CB8AC3E}">
-        <p14:creationId xmlns:p14="http://schemas.microsoft.com/office/powerpoint/2010/main" val="2162325121"/>
+        <p14:creationId xmlns:p14="http://schemas.microsoft.com/office/powerpoint/2010/main" val="3239881576"/>
       </p:ext>
     </p:extLst>
   </p:cSld>
@@ -2470,7 +2470,7 @@
           <p:cNvPr id="2" name="标题 1">
             <a:extLst>
               <a:ext uri="{FF2B5EF4-FFF2-40B4-BE49-F238E27FC236}">
-                <a16:creationId xmlns:a16="http://schemas.microsoft.com/office/drawing/2014/main" id="{C4819429-15A9-E3D1-E7FF-77025A89F9D6}"/>
+                <a16:creationId xmlns:a16="http://schemas.microsoft.com/office/drawing/2014/main" id="{E8A94520-BEDB-3B02-24B3-8F88C0972FE9}"/>
               </a:ext>
             </a:extLst>
           </p:cNvPr>
@@ -2507,7 +2507,7 @@
           <p:cNvPr id="3" name="图片占位符 2">
             <a:extLst>
               <a:ext uri="{FF2B5EF4-FFF2-40B4-BE49-F238E27FC236}">
-                <a16:creationId xmlns:a16="http://schemas.microsoft.com/office/drawing/2014/main" id="{01E3568D-9236-9C00-3756-A58DC4A6ADCB}"/>
+                <a16:creationId xmlns:a16="http://schemas.microsoft.com/office/drawing/2014/main" id="{1237F586-3C13-E758-1343-9563947E9190}"/>
               </a:ext>
             </a:extLst>
           </p:cNvPr>
@@ -2574,7 +2574,7 @@
           <p:cNvPr id="4" name="文本占位符 3">
             <a:extLst>
               <a:ext uri="{FF2B5EF4-FFF2-40B4-BE49-F238E27FC236}">
-                <a16:creationId xmlns:a16="http://schemas.microsoft.com/office/drawing/2014/main" id="{8E27C6E4-F51A-9650-88B3-C3058B4F6C75}"/>
+                <a16:creationId xmlns:a16="http://schemas.microsoft.com/office/drawing/2014/main" id="{191CDE70-5061-1290-5E6A-6F3417498265}"/>
               </a:ext>
             </a:extLst>
           </p:cNvPr>
@@ -2645,7 +2645,7 @@
           <p:cNvPr id="5" name="日期占位符 4">
             <a:extLst>
               <a:ext uri="{FF2B5EF4-FFF2-40B4-BE49-F238E27FC236}">
-                <a16:creationId xmlns:a16="http://schemas.microsoft.com/office/drawing/2014/main" id="{2873B992-035A-03A9-A4AC-F5AF6033F249}"/>
+                <a16:creationId xmlns:a16="http://schemas.microsoft.com/office/drawing/2014/main" id="{91568751-CD51-6041-46E8-AE5ED6D526C2}"/>
               </a:ext>
             </a:extLst>
           </p:cNvPr>
@@ -2661,7 +2661,7 @@
           <a:bodyPr/>
           <a:lstStyle/>
           <a:p>
-            <a:fld id="{F9246B1A-C81F-4591-8497-05D55479B746}" type="datetimeFigureOut">
+            <a:fld id="{C0349B25-5614-4CA7-B9AE-E957D0983656}" type="datetimeFigureOut">
               <a:rPr lang="zh-CN" altLang="en-US" smtClean="0"/>
               <a:t>2024/3/10</a:t>
             </a:fld>
@@ -2674,7 +2674,7 @@
           <p:cNvPr id="6" name="页脚占位符 5">
             <a:extLst>
               <a:ext uri="{FF2B5EF4-FFF2-40B4-BE49-F238E27FC236}">
-                <a16:creationId xmlns:a16="http://schemas.microsoft.com/office/drawing/2014/main" id="{253E923F-B90F-FD83-C745-76A0A4E61F6B}"/>
+                <a16:creationId xmlns:a16="http://schemas.microsoft.com/office/drawing/2014/main" id="{EEA8A24E-77EC-E242-3AA5-4859E26CB0B2}"/>
               </a:ext>
             </a:extLst>
           </p:cNvPr>
@@ -2699,7 +2699,7 @@
           <p:cNvPr id="7" name="灯片编号占位符 6">
             <a:extLst>
               <a:ext uri="{FF2B5EF4-FFF2-40B4-BE49-F238E27FC236}">
-                <a16:creationId xmlns:a16="http://schemas.microsoft.com/office/drawing/2014/main" id="{5E20B521-3625-AA7C-DC65-0D21591CCE19}"/>
+                <a16:creationId xmlns:a16="http://schemas.microsoft.com/office/drawing/2014/main" id="{0B9A23A6-23B5-C2A0-752C-DD41DF8E1D27}"/>
               </a:ext>
             </a:extLst>
           </p:cNvPr>
@@ -2715,7 +2715,7 @@
           <a:bodyPr/>
           <a:lstStyle/>
           <a:p>
-            <a:fld id="{B6C01E48-3352-4934-A978-265B64F311F3}" type="slidenum">
+            <a:fld id="{1DC4A67B-8EE8-4333-A790-BE1009852FBA}" type="slidenum">
               <a:rPr lang="zh-CN" altLang="en-US" smtClean="0"/>
               <a:t>‹#›</a:t>
             </a:fld>
@@ -2726,7 +2726,7 @@
     </p:spTree>
     <p:extLst>
       <p:ext uri="{BB962C8B-B14F-4D97-AF65-F5344CB8AC3E}">
-        <p14:creationId xmlns:p14="http://schemas.microsoft.com/office/powerpoint/2010/main" val="3378224152"/>
+        <p14:creationId xmlns:p14="http://schemas.microsoft.com/office/powerpoint/2010/main" val="2375761856"/>
       </p:ext>
     </p:extLst>
   </p:cSld>
@@ -2763,7 +2763,7 @@
           <p:cNvPr id="2" name="标题占位符 1">
             <a:extLst>
               <a:ext uri="{FF2B5EF4-FFF2-40B4-BE49-F238E27FC236}">
-                <a16:creationId xmlns:a16="http://schemas.microsoft.com/office/drawing/2014/main" id="{9666FF60-FB53-1800-379E-B029B5B2B1DC}"/>
+                <a16:creationId xmlns:a16="http://schemas.microsoft.com/office/drawing/2014/main" id="{3099E1B2-B392-7125-97F3-D0613011CAEB}"/>
               </a:ext>
             </a:extLst>
           </p:cNvPr>
@@ -2801,7 +2801,7 @@
           <p:cNvPr id="3" name="文本占位符 2">
             <a:extLst>
               <a:ext uri="{FF2B5EF4-FFF2-40B4-BE49-F238E27FC236}">
-                <a16:creationId xmlns:a16="http://schemas.microsoft.com/office/drawing/2014/main" id="{176B3A6E-07A7-AC0A-F02C-A73380F04FA5}"/>
+                <a16:creationId xmlns:a16="http://schemas.microsoft.com/office/drawing/2014/main" id="{122F993B-B068-6756-3B21-6CFD778AC510}"/>
               </a:ext>
             </a:extLst>
           </p:cNvPr>
@@ -2868,7 +2868,7 @@
           <p:cNvPr id="4" name="日期占位符 3">
             <a:extLst>
               <a:ext uri="{FF2B5EF4-FFF2-40B4-BE49-F238E27FC236}">
-                <a16:creationId xmlns:a16="http://schemas.microsoft.com/office/drawing/2014/main" id="{46F9DD77-E142-4EF9-9702-6C04158CFB09}"/>
+                <a16:creationId xmlns:a16="http://schemas.microsoft.com/office/drawing/2014/main" id="{61622E26-3AE2-20E2-A1A5-16063838017B}"/>
               </a:ext>
             </a:extLst>
           </p:cNvPr>
@@ -2902,7 +2902,7 @@
             </a:lvl1pPr>
           </a:lstStyle>
           <a:p>
-            <a:fld id="{F9246B1A-C81F-4591-8497-05D55479B746}" type="datetimeFigureOut">
+            <a:fld id="{C0349B25-5614-4CA7-B9AE-E957D0983656}" type="datetimeFigureOut">
               <a:rPr lang="zh-CN" altLang="en-US" smtClean="0"/>
               <a:t>2024/3/10</a:t>
             </a:fld>
@@ -2915,7 +2915,7 @@
           <p:cNvPr id="5" name="页脚占位符 4">
             <a:extLst>
               <a:ext uri="{FF2B5EF4-FFF2-40B4-BE49-F238E27FC236}">
-                <a16:creationId xmlns:a16="http://schemas.microsoft.com/office/drawing/2014/main" id="{4A569355-C219-F9CF-5D04-31B85D68FD21}"/>
+                <a16:creationId xmlns:a16="http://schemas.microsoft.com/office/drawing/2014/main" id="{CDA50580-27FA-96B4-D3DB-EDDAE66197D9}"/>
               </a:ext>
             </a:extLst>
           </p:cNvPr>
@@ -2958,7 +2958,7 @@
           <p:cNvPr id="6" name="灯片编号占位符 5">
             <a:extLst>
               <a:ext uri="{FF2B5EF4-FFF2-40B4-BE49-F238E27FC236}">
-                <a16:creationId xmlns:a16="http://schemas.microsoft.com/office/drawing/2014/main" id="{9A1EDF47-B107-AD4D-A63F-B3B229072826}"/>
+                <a16:creationId xmlns:a16="http://schemas.microsoft.com/office/drawing/2014/main" id="{84A48772-6AF1-287A-6F14-B164001DB85E}"/>
               </a:ext>
             </a:extLst>
           </p:cNvPr>
@@ -2992,7 +2992,7 @@
             </a:lvl1pPr>
           </a:lstStyle>
           <a:p>
-            <a:fld id="{B6C01E48-3352-4934-A978-265B64F311F3}" type="slidenum">
+            <a:fld id="{1DC4A67B-8EE8-4333-A790-BE1009852FBA}" type="slidenum">
               <a:rPr lang="zh-CN" altLang="en-US" smtClean="0"/>
               <a:t>‹#›</a:t>
             </a:fld>
@@ -3003,7 +3003,7 @@
     </p:spTree>
     <p:extLst>
       <p:ext uri="{BB962C8B-B14F-4D97-AF65-F5344CB8AC3E}">
-        <p14:creationId xmlns:p14="http://schemas.microsoft.com/office/powerpoint/2010/main" val="3206290530"/>
+        <p14:creationId xmlns:p14="http://schemas.microsoft.com/office/powerpoint/2010/main" val="1641702453"/>
       </p:ext>
     </p:extLst>
   </p:cSld>
